--- a/PPT/03.자바스크립트 - 프로토타입, 상속과 클래스.pptx
+++ b/PPT/03.자바스크립트 - 프로토타입, 상속과 클래스.pptx
@@ -4283,6 +4283,30 @@
     </pc:docChg>
   </pc:docChgLst>
   <pc:docChgLst>
+    <pc:chgData name="jeongkilyong" userId="42a1e730-e7ec-4950-9a60-48236c77d83b" providerId="ADAL" clId="{075AEC33-B04B-44D3-9A77-510C15807D7E}"/>
+    <pc:docChg chg="modSld">
+      <pc:chgData name="jeongkilyong" userId="42a1e730-e7ec-4950-9a60-48236c77d83b" providerId="ADAL" clId="{075AEC33-B04B-44D3-9A77-510C15807D7E}" dt="2023-10-26T04:00:33.543" v="2" actId="20577"/>
+      <pc:docMkLst>
+        <pc:docMk/>
+      </pc:docMkLst>
+      <pc:sldChg chg="modSp mod">
+        <pc:chgData name="jeongkilyong" userId="42a1e730-e7ec-4950-9a60-48236c77d83b" providerId="ADAL" clId="{075AEC33-B04B-44D3-9A77-510C15807D7E}" dt="2023-10-26T04:00:33.543" v="2" actId="20577"/>
+        <pc:sldMkLst>
+          <pc:docMk/>
+          <pc:sldMk cId="4246583993" sldId="316"/>
+        </pc:sldMkLst>
+        <pc:spChg chg="mod">
+          <ac:chgData name="jeongkilyong" userId="42a1e730-e7ec-4950-9a60-48236c77d83b" providerId="ADAL" clId="{075AEC33-B04B-44D3-9A77-510C15807D7E}" dt="2023-10-26T04:00:33.543" v="2" actId="20577"/>
+          <ac:spMkLst>
+            <pc:docMk/>
+            <pc:sldMk cId="4246583993" sldId="316"/>
+            <ac:spMk id="8" creationId="{73E8AED8-9C8B-4A4E-BD6F-2416B2021215}"/>
+          </ac:spMkLst>
+        </pc:spChg>
+      </pc:sldChg>
+    </pc:docChg>
+  </pc:docChgLst>
+  <pc:docChgLst>
     <pc:chgData name="jeongkilyong" userId="42a1e730-e7ec-4950-9a60-48236c77d83b" providerId="ADAL" clId="{102EE6A8-9256-46F7-BB6B-08B3E50DF173}"/>
     <pc:docChg chg="undo custSel addSld delSld modSld">
       <pc:chgData name="jeongkilyong" userId="42a1e730-e7ec-4950-9a60-48236c77d83b" providerId="ADAL" clId="{102EE6A8-9256-46F7-BB6B-08B3E50DF173}" dt="2023-10-25T02:45:45.241" v="1010" actId="207"/>
@@ -5533,7 +5557,7 @@
             <a:fld id="{C5EB0431-1611-1744-95F0-8172773087C5}" type="datetimeFigureOut">
               <a:rPr lang="en-US" altLang="ko-Kore-KR" smtClean="0"/>
               <a:pPr/>
-              <a:t>10/25/2023</a:t>
+              <a:t>10/26/2023</a:t>
             </a:fld>
             <a:endParaRPr lang="ko-Kore-KR"/>
           </a:p>
@@ -5953,7 +5977,7 @@
           <a:p>
             <a:fld id="{5FD0AF26-B2D6-41C9-847A-12B3D1677265}" type="datetime1">
               <a:rPr kumimoji="1" lang="ko-KR" altLang="en-US" smtClean="0"/>
-              <a:t>2023-10-25</a:t>
+              <a:t>2023-10-26</a:t>
             </a:fld>
             <a:endParaRPr kumimoji="1" lang="ko-KR" altLang="en-US"/>
           </a:p>
@@ -6151,7 +6175,7 @@
           <a:p>
             <a:fld id="{11A845FB-4EAB-4F93-BE87-891FAC391B0C}" type="datetime1">
               <a:rPr kumimoji="1" lang="ko-KR" altLang="en-US" smtClean="0"/>
-              <a:t>2023-10-25</a:t>
+              <a:t>2023-10-26</a:t>
             </a:fld>
             <a:endParaRPr kumimoji="1" lang="ko-KR" altLang="en-US"/>
           </a:p>
@@ -6359,7 +6383,7 @@
           <a:p>
             <a:fld id="{6597FBCF-59BC-423C-A27E-A4E0342EEDF5}" type="datetime1">
               <a:rPr kumimoji="1" lang="ko-KR" altLang="en-US" smtClean="0"/>
-              <a:t>2023-10-25</a:t>
+              <a:t>2023-10-26</a:t>
             </a:fld>
             <a:endParaRPr kumimoji="1" lang="ko-KR" altLang="en-US"/>
           </a:p>
@@ -6557,7 +6581,7 @@
           <a:p>
             <a:fld id="{59DE6E8A-4C0D-4CC6-BBD6-2F945A6B3540}" type="datetime1">
               <a:rPr kumimoji="1" lang="ko-KR" altLang="en-US" smtClean="0"/>
-              <a:t>2023-10-25</a:t>
+              <a:t>2023-10-26</a:t>
             </a:fld>
             <a:endParaRPr kumimoji="1" lang="ko-KR" altLang="en-US"/>
           </a:p>
@@ -6832,7 +6856,7 @@
           <a:p>
             <a:fld id="{BEBFBD75-CCBA-4C22-86CA-859D220600AA}" type="datetime1">
               <a:rPr kumimoji="1" lang="ko-KR" altLang="en-US" smtClean="0"/>
-              <a:t>2023-10-25</a:t>
+              <a:t>2023-10-26</a:t>
             </a:fld>
             <a:endParaRPr kumimoji="1" lang="ko-KR" altLang="en-US"/>
           </a:p>
@@ -7097,7 +7121,7 @@
           <a:p>
             <a:fld id="{DB031150-5CB0-41C0-9104-5695DD253F49}" type="datetime1">
               <a:rPr kumimoji="1" lang="ko-KR" altLang="en-US" smtClean="0"/>
-              <a:t>2023-10-25</a:t>
+              <a:t>2023-10-26</a:t>
             </a:fld>
             <a:endParaRPr kumimoji="1" lang="ko-KR" altLang="en-US"/>
           </a:p>
@@ -7509,7 +7533,7 @@
           <a:p>
             <a:fld id="{0B78CFAD-1435-498E-ACFE-38131B135631}" type="datetime1">
               <a:rPr kumimoji="1" lang="ko-KR" altLang="en-US" smtClean="0"/>
-              <a:t>2023-10-25</a:t>
+              <a:t>2023-10-26</a:t>
             </a:fld>
             <a:endParaRPr kumimoji="1" lang="ko-KR" altLang="en-US"/>
           </a:p>
@@ -7650,7 +7674,7 @@
           <a:p>
             <a:fld id="{BF2AA6DB-F13D-4C47-BC2B-E1D25CB476ED}" type="datetime1">
               <a:rPr kumimoji="1" lang="ko-KR" altLang="en-US" smtClean="0"/>
-              <a:t>2023-10-25</a:t>
+              <a:t>2023-10-26</a:t>
             </a:fld>
             <a:endParaRPr kumimoji="1" lang="ko-KR" altLang="en-US"/>
           </a:p>
@@ -7763,7 +7787,7 @@
           <a:p>
             <a:fld id="{14FBB438-2880-4761-94BA-7F7996C8C3BD}" type="datetime1">
               <a:rPr kumimoji="1" lang="ko-KR" altLang="en-US" smtClean="0"/>
-              <a:t>2023-10-25</a:t>
+              <a:t>2023-10-26</a:t>
             </a:fld>
             <a:endParaRPr kumimoji="1" lang="ko-KR" altLang="en-US"/>
           </a:p>
@@ -8074,7 +8098,7 @@
           <a:p>
             <a:fld id="{C4D9C33D-E09A-4F6E-A7FA-CF959C3E6DEE}" type="datetime1">
               <a:rPr kumimoji="1" lang="ko-KR" altLang="en-US" smtClean="0"/>
-              <a:t>2023-10-25</a:t>
+              <a:t>2023-10-26</a:t>
             </a:fld>
             <a:endParaRPr kumimoji="1" lang="ko-KR" altLang="en-US"/>
           </a:p>
@@ -8362,7 +8386,7 @@
           <a:p>
             <a:fld id="{DB10E3DE-CCA8-4CB9-BDA2-4741B0CD6641}" type="datetime1">
               <a:rPr kumimoji="1" lang="ko-KR" altLang="en-US" smtClean="0"/>
-              <a:t>2023-10-25</a:t>
+              <a:t>2023-10-26</a:t>
             </a:fld>
             <a:endParaRPr kumimoji="1" lang="ko-KR" altLang="en-US"/>
           </a:p>
@@ -8605,7 +8629,7 @@
           <a:p>
             <a:fld id="{827CA893-2A65-4E72-A022-7CB16F3818A4}" type="datetime1">
               <a:rPr kumimoji="1" lang="ko-KR" altLang="en-US" smtClean="0"/>
-              <a:t>2023-10-25</a:t>
+              <a:t>2023-10-26</a:t>
             </a:fld>
             <a:endParaRPr kumimoji="1" lang="ko-KR" altLang="en-US"/>
           </a:p>
@@ -9853,7 +9877,7 @@
                 <a:latin typeface="Noto Sans CJK KR Regular" panose="020B0500000000000000" pitchFamily="34" charset="-127"/>
                 <a:ea typeface="Noto Sans CJK KR Regular" panose="020B0500000000000000" pitchFamily="34" charset="-127"/>
               </a:rPr>
-              <a:t>ex03-02.js, 03</a:t>
+              <a:t>ex03-02.js, 03-03</a:t>
             </a:r>
             <a:endParaRPr lang="ko-KR" altLang="en-US" dirty="0">
               <a:solidFill>
